--- a/my doc/files/WeeklyReport/2011-04-08_WeeklyReport.pptx
+++ b/my doc/files/WeeklyReport/2011-04-08_WeeklyReport.pptx
@@ -422,11 +422,11 @@
         </c:dLbls>
         <c:marker val="1"/>
         <c:smooth val="0"/>
-        <c:axId val="59138432"/>
-        <c:axId val="59139968"/>
+        <c:axId val="79003648"/>
+        <c:axId val="79005184"/>
       </c:lineChart>
       <c:catAx>
-        <c:axId val="59138432"/>
+        <c:axId val="79003648"/>
         <c:scaling>
           <c:orientation val="minMax"/>
         </c:scaling>
@@ -435,7 +435,7 @@
         <c:majorTickMark val="out"/>
         <c:minorTickMark val="none"/>
         <c:tickLblPos val="nextTo"/>
-        <c:crossAx val="59139968"/>
+        <c:crossAx val="79005184"/>
         <c:crosses val="autoZero"/>
         <c:auto val="1"/>
         <c:lblAlgn val="ctr"/>
@@ -443,7 +443,7 @@
         <c:noMultiLvlLbl val="0"/>
       </c:catAx>
       <c:valAx>
-        <c:axId val="59139968"/>
+        <c:axId val="79005184"/>
         <c:scaling>
           <c:orientation val="minMax"/>
           <c:max val="360"/>
@@ -456,7 +456,7 @@
         <c:majorTickMark val="out"/>
         <c:minorTickMark val="none"/>
         <c:tickLblPos val="nextTo"/>
-        <c:crossAx val="59138432"/>
+        <c:crossAx val="79003648"/>
         <c:crosses val="autoZero"/>
         <c:crossBetween val="between"/>
       </c:valAx>
@@ -471,7 +471,7 @@
     <c:showDLblsOverMax val="0"/>
   </c:chart>
   <c:externalData r:id="rId2">
-    <c:autoUpdate val="0"/>
+    <c:autoUpdate val="1"/>
   </c:externalData>
 </c:chartSpace>
 </file>
@@ -11333,7 +11333,7 @@
           <a:bodyPr/>
           <a:lstStyle/>
           <a:p>
-            <a:endParaRPr lang="zh-TW" altLang="en-US"/>
+            <a:endParaRPr lang="zh-TW" altLang="en-US" dirty="0"/>
           </a:p>
         </p:txBody>
       </p:sp>
@@ -11592,10 +11592,10 @@
         </p:nvGrpSpPr>
         <p:grpSpPr>
           <a:xfrm>
-            <a:off x="1403648" y="1234203"/>
-            <a:ext cx="2808312" cy="2148627"/>
-            <a:chOff x="1043608" y="1037927"/>
-            <a:chExt cx="2808312" cy="2148627"/>
+            <a:off x="703394" y="1134129"/>
+            <a:ext cx="3522220" cy="2203217"/>
+            <a:chOff x="509720" y="1037927"/>
+            <a:chExt cx="3522220" cy="2203217"/>
           </a:xfrm>
         </p:grpSpPr>
         <p:cxnSp>
@@ -11982,66 +11982,6 @@
         </p:sp>
         <p:sp>
           <p:nvSpPr>
-            <p:cNvPr id="40" name="TextBox 39"/>
-            <p:cNvSpPr txBox="1"/>
-            <p:nvPr/>
-          </p:nvSpPr>
-          <p:spPr>
-            <a:xfrm>
-              <a:off x="1043608" y="1700808"/>
-              <a:ext cx="669006" cy="307777"/>
-            </a:xfrm>
-            <a:prstGeom prst="rect">
-              <a:avLst/>
-            </a:prstGeom>
-            <a:noFill/>
-          </p:spPr>
-          <p:txBody>
-            <a:bodyPr wrap="square" rtlCol="0">
-              <a:spAutoFit/>
-            </a:bodyPr>
-            <a:lstStyle/>
-            <a:p>
-              <a:r>
-                <a:rPr lang="en-US" altLang="zh-TW" sz="700" dirty="0" smtClean="0"/>
-                <a:t>Patch of CC24</a:t>
-              </a:r>
-              <a:endParaRPr lang="zh-TW" altLang="en-US" sz="700" dirty="0"/>
-            </a:p>
-          </p:txBody>
-        </p:sp>
-        <p:sp>
-          <p:nvSpPr>
-            <p:cNvPr id="41" name="TextBox 40"/>
-            <p:cNvSpPr txBox="1"/>
-            <p:nvPr/>
-          </p:nvSpPr>
-          <p:spPr>
-            <a:xfrm>
-              <a:off x="2051720" y="1700808"/>
-              <a:ext cx="669006" cy="307777"/>
-            </a:xfrm>
-            <a:prstGeom prst="rect">
-              <a:avLst/>
-            </a:prstGeom>
-            <a:noFill/>
-          </p:spPr>
-          <p:txBody>
-            <a:bodyPr wrap="square" rtlCol="0">
-              <a:spAutoFit/>
-            </a:bodyPr>
-            <a:lstStyle/>
-            <a:p>
-              <a:r>
-                <a:rPr lang="en-US" altLang="zh-TW" sz="700" dirty="0" smtClean="0"/>
-                <a:t>Patch of CC24</a:t>
-              </a:r>
-              <a:endParaRPr lang="zh-TW" altLang="en-US" sz="700" dirty="0"/>
-            </a:p>
-          </p:txBody>
-        </p:sp>
-        <p:sp>
-          <p:nvSpPr>
             <p:cNvPr id="42" name="TextBox 41"/>
             <p:cNvSpPr txBox="1"/>
             <p:nvPr/>
@@ -12078,7 +12018,7 @@
           </p:nvSpPr>
           <p:spPr>
             <a:xfrm>
-              <a:off x="1187624" y="2924944"/>
+              <a:off x="1943708" y="2979534"/>
               <a:ext cx="2088232" cy="261610"/>
             </a:xfrm>
             <a:prstGeom prst="rect">
@@ -12100,7 +12040,740 @@
             </a:p>
           </p:txBody>
         </p:sp>
+        <p:cxnSp>
+          <p:nvCxnSpPr>
+            <p:cNvPr id="25" name="Straight Connector 24"/>
+            <p:cNvCxnSpPr/>
+            <p:nvPr/>
+          </p:nvCxnSpPr>
+          <p:spPr>
+            <a:xfrm flipH="1" flipV="1">
+              <a:off x="653160" y="2166243"/>
+              <a:ext cx="1672362" cy="749076"/>
+            </a:xfrm>
+            <a:prstGeom prst="line">
+              <a:avLst/>
+            </a:prstGeom>
+            <a:ln w="38100">
+              <a:solidFill>
+                <a:srgbClr xmlns:mc="http://schemas.openxmlformats.org/markup-compatibility/2006" xmlns:a14="http://schemas.microsoft.com/office/drawing/2010/main" val="FF01FF" mc:Ignorable=""/>
+              </a:solidFill>
+            </a:ln>
+          </p:spPr>
+          <p:style>
+            <a:lnRef idx="1">
+              <a:schemeClr val="accent1"/>
+            </a:lnRef>
+            <a:fillRef idx="0">
+              <a:schemeClr val="accent1"/>
+            </a:fillRef>
+            <a:effectRef idx="0">
+              <a:schemeClr val="accent1"/>
+            </a:effectRef>
+            <a:fontRef idx="minor">
+              <a:schemeClr val="tx1"/>
+            </a:fontRef>
+          </p:style>
+        </p:cxnSp>
+        <p:cxnSp>
+          <p:nvCxnSpPr>
+            <p:cNvPr id="33" name="Straight Connector 32"/>
+            <p:cNvCxnSpPr/>
+            <p:nvPr/>
+          </p:nvCxnSpPr>
+          <p:spPr>
+            <a:xfrm flipH="1">
+              <a:off x="509720" y="2924944"/>
+              <a:ext cx="1780374" cy="316200"/>
+            </a:xfrm>
+            <a:prstGeom prst="line">
+              <a:avLst/>
+            </a:prstGeom>
+            <a:ln w="38100">
+              <a:solidFill>
+                <a:srgbClr xmlns:mc="http://schemas.openxmlformats.org/markup-compatibility/2006" xmlns:a14="http://schemas.microsoft.com/office/drawing/2010/main" val="9E01FF" mc:Ignorable=""/>
+              </a:solidFill>
+            </a:ln>
+          </p:spPr>
+          <p:style>
+            <a:lnRef idx="1">
+              <a:schemeClr val="accent1"/>
+            </a:lnRef>
+            <a:fillRef idx="0">
+              <a:schemeClr val="accent1"/>
+            </a:fillRef>
+            <a:effectRef idx="0">
+              <a:schemeClr val="accent1"/>
+            </a:effectRef>
+            <a:fontRef idx="minor">
+              <a:schemeClr val="tx1"/>
+            </a:fontRef>
+          </p:style>
+        </p:cxnSp>
+        <p:sp>
+          <p:nvSpPr>
+            <p:cNvPr id="36" name="Oval 35"/>
+            <p:cNvSpPr/>
+            <p:nvPr/>
+          </p:nvSpPr>
+          <p:spPr>
+            <a:xfrm>
+              <a:off x="1562279" y="2771303"/>
+              <a:ext cx="144016" cy="144016"/>
+            </a:xfrm>
+            <a:prstGeom prst="ellipse">
+              <a:avLst/>
+            </a:prstGeom>
+            <a:solidFill>
+              <a:srgbClr xmlns:mc="http://schemas.openxmlformats.org/markup-compatibility/2006" xmlns:a14="http://schemas.microsoft.com/office/drawing/2010/main" val="9E01FF" mc:Ignorable=""/>
+            </a:solidFill>
+            <a:ln>
+              <a:solidFill>
+                <a:srgbClr xmlns:mc="http://schemas.openxmlformats.org/markup-compatibility/2006" xmlns:a14="http://schemas.microsoft.com/office/drawing/2010/main" val="9E01FF" mc:Ignorable=""/>
+              </a:solidFill>
+            </a:ln>
+          </p:spPr>
+          <p:style>
+            <a:lnRef idx="2">
+              <a:schemeClr val="accent1">
+                <a:shade val="50000"/>
+              </a:schemeClr>
+            </a:lnRef>
+            <a:fillRef idx="1">
+              <a:schemeClr val="accent1"/>
+            </a:fillRef>
+            <a:effectRef idx="0">
+              <a:schemeClr val="accent1"/>
+            </a:effectRef>
+            <a:fontRef idx="minor">
+              <a:schemeClr val="lt1"/>
+            </a:fontRef>
+          </p:style>
+          <p:txBody>
+            <a:bodyPr rtlCol="0" anchor="ctr"/>
+            <a:lstStyle/>
+            <a:p>
+              <a:pPr algn="ctr"/>
+              <a:endParaRPr lang="zh-TW" altLang="en-US"/>
+            </a:p>
+          </p:txBody>
+        </p:sp>
+        <p:cxnSp>
+          <p:nvCxnSpPr>
+            <p:cNvPr id="37" name="Straight Arrow Connector 36"/>
+            <p:cNvCxnSpPr/>
+            <p:nvPr/>
+          </p:nvCxnSpPr>
+          <p:spPr>
+            <a:xfrm>
+              <a:off x="1641970" y="2899486"/>
+              <a:ext cx="64325" cy="138845"/>
+            </a:xfrm>
+            <a:prstGeom prst="straightConnector1">
+              <a:avLst/>
+            </a:prstGeom>
+            <a:ln w="28575">
+              <a:solidFill>
+                <a:srgbClr xmlns:mc="http://schemas.openxmlformats.org/markup-compatibility/2006" xmlns:a14="http://schemas.microsoft.com/office/drawing/2010/main" val="808080" mc:Ignorable=""/>
+              </a:solidFill>
+              <a:tailEnd type="arrow"/>
+            </a:ln>
+          </p:spPr>
+          <p:style>
+            <a:lnRef idx="1">
+              <a:schemeClr val="accent1"/>
+            </a:lnRef>
+            <a:fillRef idx="0">
+              <a:schemeClr val="accent1"/>
+            </a:fillRef>
+            <a:effectRef idx="0">
+              <a:schemeClr val="accent1"/>
+            </a:effectRef>
+            <a:fontRef idx="minor">
+              <a:schemeClr val="tx1"/>
+            </a:fontRef>
+          </p:style>
+        </p:cxnSp>
+        <p:sp>
+          <p:nvSpPr>
+            <p:cNvPr id="44" name="Oval 43"/>
+            <p:cNvSpPr/>
+            <p:nvPr/>
+          </p:nvSpPr>
+          <p:spPr>
+            <a:xfrm>
+              <a:off x="1403648" y="2468773"/>
+              <a:ext cx="144016" cy="144016"/>
+            </a:xfrm>
+            <a:prstGeom prst="ellipse">
+              <a:avLst/>
+            </a:prstGeom>
+            <a:solidFill>
+              <a:srgbClr xmlns:mc="http://schemas.openxmlformats.org/markup-compatibility/2006" xmlns:a14="http://schemas.microsoft.com/office/drawing/2010/main" val="FF01FF" mc:Ignorable=""/>
+            </a:solidFill>
+            <a:ln>
+              <a:solidFill>
+                <a:schemeClr val="tx1"/>
+              </a:solidFill>
+              <a:prstDash val="sysDot"/>
+            </a:ln>
+          </p:spPr>
+          <p:style>
+            <a:lnRef idx="2">
+              <a:schemeClr val="accent1">
+                <a:shade val="50000"/>
+              </a:schemeClr>
+            </a:lnRef>
+            <a:fillRef idx="1">
+              <a:schemeClr val="accent1"/>
+            </a:fillRef>
+            <a:effectRef idx="0">
+              <a:schemeClr val="accent1"/>
+            </a:effectRef>
+            <a:fontRef idx="minor">
+              <a:schemeClr val="lt1"/>
+            </a:fontRef>
+          </p:style>
+          <p:txBody>
+            <a:bodyPr rtlCol="0" anchor="ctr"/>
+            <a:lstStyle/>
+            <a:p>
+              <a:pPr algn="ctr"/>
+              <a:endParaRPr lang="zh-TW" altLang="en-US"/>
+            </a:p>
+          </p:txBody>
+        </p:sp>
+        <p:sp>
+          <p:nvSpPr>
+            <p:cNvPr id="52" name="TextBox 51"/>
+            <p:cNvSpPr txBox="1"/>
+            <p:nvPr/>
+          </p:nvSpPr>
+          <p:spPr>
+            <a:xfrm>
+              <a:off x="653160" y="2450680"/>
+              <a:ext cx="769642" cy="307777"/>
+            </a:xfrm>
+            <a:prstGeom prst="rect">
+              <a:avLst/>
+            </a:prstGeom>
+            <a:noFill/>
+          </p:spPr>
+          <p:txBody>
+            <a:bodyPr wrap="square" rtlCol="0">
+              <a:spAutoFit/>
+            </a:bodyPr>
+            <a:lstStyle/>
+            <a:p>
+              <a:r>
+                <a:rPr lang="en-US" altLang="zh-TW" sz="700" dirty="0" smtClean="0"/>
+                <a:t>Interpolation Patch </a:t>
+              </a:r>
+              <a:endParaRPr lang="zh-TW" altLang="en-US" sz="700" dirty="0"/>
+            </a:p>
+          </p:txBody>
+        </p:sp>
+        <p:sp>
+          <p:nvSpPr>
+            <p:cNvPr id="56" name="Oval 55"/>
+            <p:cNvSpPr/>
+            <p:nvPr/>
+          </p:nvSpPr>
+          <p:spPr>
+            <a:xfrm>
+              <a:off x="1674132" y="1466365"/>
+              <a:ext cx="144016" cy="144016"/>
+            </a:xfrm>
+            <a:prstGeom prst="ellipse">
+              <a:avLst/>
+            </a:prstGeom>
+            <a:solidFill>
+              <a:srgbClr xmlns:mc="http://schemas.openxmlformats.org/markup-compatibility/2006" xmlns:a14="http://schemas.microsoft.com/office/drawing/2010/main" val="FF0000" mc:Ignorable=""/>
+            </a:solidFill>
+            <a:ln>
+              <a:solidFill>
+                <a:schemeClr val="tx1"/>
+              </a:solidFill>
+              <a:prstDash val="sysDot"/>
+            </a:ln>
+          </p:spPr>
+          <p:style>
+            <a:lnRef idx="2">
+              <a:schemeClr val="accent1">
+                <a:shade val="50000"/>
+              </a:schemeClr>
+            </a:lnRef>
+            <a:fillRef idx="1">
+              <a:schemeClr val="accent1"/>
+            </a:fillRef>
+            <a:effectRef idx="0">
+              <a:schemeClr val="accent1"/>
+            </a:effectRef>
+            <a:fontRef idx="minor">
+              <a:schemeClr val="lt1"/>
+            </a:fontRef>
+          </p:style>
+          <p:txBody>
+            <a:bodyPr rtlCol="0" anchor="ctr"/>
+            <a:lstStyle/>
+            <a:p>
+              <a:pPr algn="ctr"/>
+              <a:endParaRPr lang="zh-TW" altLang="en-US"/>
+            </a:p>
+          </p:txBody>
+        </p:sp>
+        <p:sp>
+          <p:nvSpPr>
+            <p:cNvPr id="57" name="Oval 56"/>
+            <p:cNvSpPr/>
+            <p:nvPr/>
+          </p:nvSpPr>
+          <p:spPr>
+            <a:xfrm>
+              <a:off x="1871700" y="2015114"/>
+              <a:ext cx="144016" cy="144016"/>
+            </a:xfrm>
+            <a:prstGeom prst="ellipse">
+              <a:avLst/>
+            </a:prstGeom>
+            <a:solidFill>
+              <a:srgbClr xmlns:mc="http://schemas.openxmlformats.org/markup-compatibility/2006" xmlns:a14="http://schemas.microsoft.com/office/drawing/2010/main" val="FF0000" mc:Ignorable=""/>
+            </a:solidFill>
+            <a:ln>
+              <a:solidFill>
+                <a:schemeClr val="tx1"/>
+              </a:solidFill>
+              <a:prstDash val="sysDot"/>
+            </a:ln>
+          </p:spPr>
+          <p:style>
+            <a:lnRef idx="2">
+              <a:schemeClr val="accent1">
+                <a:shade val="50000"/>
+              </a:schemeClr>
+            </a:lnRef>
+            <a:fillRef idx="1">
+              <a:schemeClr val="accent1"/>
+            </a:fillRef>
+            <a:effectRef idx="0">
+              <a:schemeClr val="accent1"/>
+            </a:effectRef>
+            <a:fontRef idx="minor">
+              <a:schemeClr val="lt1"/>
+            </a:fontRef>
+          </p:style>
+          <p:txBody>
+            <a:bodyPr rtlCol="0" anchor="ctr"/>
+            <a:lstStyle/>
+            <a:p>
+              <a:pPr algn="ctr"/>
+              <a:endParaRPr lang="zh-TW" altLang="en-US"/>
+            </a:p>
+          </p:txBody>
+        </p:sp>
+        <p:sp>
+          <p:nvSpPr>
+            <p:cNvPr id="58" name="Oval 57"/>
+            <p:cNvSpPr/>
+            <p:nvPr/>
+          </p:nvSpPr>
+          <p:spPr>
+            <a:xfrm>
+              <a:off x="2944213" y="1655335"/>
+              <a:ext cx="144016" cy="144016"/>
+            </a:xfrm>
+            <a:prstGeom prst="ellipse">
+              <a:avLst/>
+            </a:prstGeom>
+            <a:solidFill>
+              <a:srgbClr xmlns:mc="http://schemas.openxmlformats.org/markup-compatibility/2006" xmlns:a14="http://schemas.microsoft.com/office/drawing/2010/main" val="FFC000" mc:Ignorable=""/>
+            </a:solidFill>
+            <a:ln>
+              <a:solidFill>
+                <a:schemeClr val="tx1"/>
+              </a:solidFill>
+              <a:prstDash val="sysDot"/>
+            </a:ln>
+          </p:spPr>
+          <p:style>
+            <a:lnRef idx="2">
+              <a:schemeClr val="accent1">
+                <a:shade val="50000"/>
+              </a:schemeClr>
+            </a:lnRef>
+            <a:fillRef idx="1">
+              <a:schemeClr val="accent1"/>
+            </a:fillRef>
+            <a:effectRef idx="0">
+              <a:schemeClr val="accent1"/>
+            </a:effectRef>
+            <a:fontRef idx="minor">
+              <a:schemeClr val="lt1"/>
+            </a:fontRef>
+          </p:style>
+          <p:txBody>
+            <a:bodyPr rtlCol="0" anchor="ctr"/>
+            <a:lstStyle/>
+            <a:p>
+              <a:pPr algn="ctr"/>
+              <a:endParaRPr lang="zh-TW" altLang="en-US"/>
+            </a:p>
+          </p:txBody>
+        </p:sp>
+        <p:sp>
+          <p:nvSpPr>
+            <p:cNvPr id="59" name="Oval 58"/>
+            <p:cNvSpPr/>
+            <p:nvPr/>
+          </p:nvSpPr>
+          <p:spPr>
+            <a:xfrm>
+              <a:off x="1619672" y="2983791"/>
+              <a:ext cx="144016" cy="144016"/>
+            </a:xfrm>
+            <a:prstGeom prst="ellipse">
+              <a:avLst/>
+            </a:prstGeom>
+            <a:solidFill>
+              <a:srgbClr xmlns:mc="http://schemas.openxmlformats.org/markup-compatibility/2006" xmlns:a14="http://schemas.microsoft.com/office/drawing/2010/main" val="9E01FF" mc:Ignorable=""/>
+            </a:solidFill>
+            <a:ln>
+              <a:solidFill>
+                <a:schemeClr val="tx1"/>
+              </a:solidFill>
+              <a:prstDash val="sysDot"/>
+            </a:ln>
+          </p:spPr>
+          <p:style>
+            <a:lnRef idx="2">
+              <a:schemeClr val="accent1">
+                <a:shade val="50000"/>
+              </a:schemeClr>
+            </a:lnRef>
+            <a:fillRef idx="1">
+              <a:schemeClr val="accent1"/>
+            </a:fillRef>
+            <a:effectRef idx="0">
+              <a:schemeClr val="accent1"/>
+            </a:effectRef>
+            <a:fontRef idx="minor">
+              <a:schemeClr val="lt1"/>
+            </a:fontRef>
+          </p:style>
+          <p:txBody>
+            <a:bodyPr rtlCol="0" anchor="ctr"/>
+            <a:lstStyle/>
+            <a:p>
+              <a:pPr algn="ctr"/>
+              <a:endParaRPr lang="zh-TW" altLang="en-US"/>
+            </a:p>
+          </p:txBody>
+        </p:sp>
       </p:grpSp>
+      <p:cxnSp>
+        <p:nvCxnSpPr>
+          <p:cNvPr id="24" name="Straight Arrow Connector 23"/>
+          <p:cNvCxnSpPr/>
+          <p:nvPr/>
+        </p:nvCxnSpPr>
+        <p:spPr>
+          <a:xfrm flipV="1">
+            <a:off x="1906288" y="2774925"/>
+            <a:ext cx="0" cy="359608"/>
+          </a:xfrm>
+          <a:prstGeom prst="straightConnector1">
+            <a:avLst/>
+          </a:prstGeom>
+          <a:ln w="19050">
+            <a:solidFill>
+              <a:srgbClr xmlns:mc="http://schemas.openxmlformats.org/markup-compatibility/2006" xmlns:a14="http://schemas.microsoft.com/office/drawing/2010/main" val="FF015C" mc:Ignorable=""/>
+            </a:solidFill>
+            <a:prstDash val="sysDash"/>
+            <a:tailEnd type="arrow"/>
+          </a:ln>
+        </p:spPr>
+        <p:style>
+          <a:lnRef idx="1">
+            <a:schemeClr val="accent1"/>
+          </a:lnRef>
+          <a:fillRef idx="0">
+            <a:schemeClr val="accent1"/>
+          </a:fillRef>
+          <a:effectRef idx="0">
+            <a:schemeClr val="accent1"/>
+          </a:effectRef>
+          <a:fontRef idx="minor">
+            <a:schemeClr val="tx1"/>
+          </a:fontRef>
+        </p:style>
+      </p:cxnSp>
+      <p:cxnSp>
+        <p:nvCxnSpPr>
+          <p:cNvPr id="43" name="Straight Arrow Connector 42"/>
+          <p:cNvCxnSpPr/>
+          <p:nvPr/>
+        </p:nvCxnSpPr>
+        <p:spPr>
+          <a:xfrm flipH="1">
+            <a:off x="1403648" y="1964541"/>
+            <a:ext cx="648072" cy="528355"/>
+          </a:xfrm>
+          <a:prstGeom prst="straightConnector1">
+            <a:avLst/>
+          </a:prstGeom>
+          <a:ln w="19050">
+            <a:solidFill>
+              <a:srgbClr xmlns:mc="http://schemas.openxmlformats.org/markup-compatibility/2006" xmlns:a14="http://schemas.microsoft.com/office/drawing/2010/main" val="FF015C" mc:Ignorable=""/>
+            </a:solidFill>
+            <a:prstDash val="sysDash"/>
+            <a:tailEnd type="arrow"/>
+          </a:ln>
+        </p:spPr>
+        <p:style>
+          <a:lnRef idx="1">
+            <a:schemeClr val="accent1"/>
+          </a:lnRef>
+          <a:fillRef idx="0">
+            <a:schemeClr val="accent1"/>
+          </a:fillRef>
+          <a:effectRef idx="0">
+            <a:schemeClr val="accent1"/>
+          </a:effectRef>
+          <a:fontRef idx="minor">
+            <a:schemeClr val="tx1"/>
+          </a:fontRef>
+        </p:style>
+      </p:cxnSp>
+      <p:cxnSp>
+        <p:nvCxnSpPr>
+          <p:cNvPr id="45" name="Straight Arrow Connector 44"/>
+          <p:cNvCxnSpPr>
+            <a:endCxn id="44" idx="1"/>
+          </p:cNvCxnSpPr>
+          <p:nvPr/>
+        </p:nvCxnSpPr>
+        <p:spPr>
+          <a:xfrm>
+            <a:off x="1403648" y="2507698"/>
+            <a:ext cx="214765" cy="78368"/>
+          </a:xfrm>
+          <a:prstGeom prst="straightConnector1">
+            <a:avLst/>
+          </a:prstGeom>
+          <a:ln w="19050">
+            <a:solidFill>
+              <a:srgbClr xmlns:mc="http://schemas.openxmlformats.org/markup-compatibility/2006" xmlns:a14="http://schemas.microsoft.com/office/drawing/2010/main" val="FF015C" mc:Ignorable=""/>
+            </a:solidFill>
+            <a:prstDash val="sysDash"/>
+            <a:tailEnd type="arrow"/>
+          </a:ln>
+        </p:spPr>
+        <p:style>
+          <a:lnRef idx="1">
+            <a:schemeClr val="accent1"/>
+          </a:lnRef>
+          <a:fillRef idx="0">
+            <a:schemeClr val="accent1"/>
+          </a:fillRef>
+          <a:effectRef idx="0">
+            <a:schemeClr val="accent1"/>
+          </a:effectRef>
+          <a:fontRef idx="minor">
+            <a:schemeClr val="tx1"/>
+          </a:fontRef>
+        </p:style>
+      </p:cxnSp>
+      <p:cxnSp>
+        <p:nvCxnSpPr>
+          <p:cNvPr id="47" name="Straight Arrow Connector 46"/>
+          <p:cNvCxnSpPr>
+            <a:endCxn id="44" idx="6"/>
+          </p:cNvCxnSpPr>
+          <p:nvPr/>
+        </p:nvCxnSpPr>
+        <p:spPr>
+          <a:xfrm flipH="1" flipV="1">
+            <a:off x="1741338" y="2636983"/>
+            <a:ext cx="175061" cy="128887"/>
+          </a:xfrm>
+          <a:prstGeom prst="straightConnector1">
+            <a:avLst/>
+          </a:prstGeom>
+          <a:ln w="19050">
+            <a:solidFill>
+              <a:srgbClr xmlns:mc="http://schemas.openxmlformats.org/markup-compatibility/2006" xmlns:a14="http://schemas.microsoft.com/office/drawing/2010/main" val="FF015C" mc:Ignorable=""/>
+            </a:solidFill>
+            <a:prstDash val="sysDash"/>
+            <a:tailEnd type="arrow"/>
+          </a:ln>
+        </p:spPr>
+        <p:style>
+          <a:lnRef idx="1">
+            <a:schemeClr val="accent1"/>
+          </a:lnRef>
+          <a:fillRef idx="0">
+            <a:schemeClr val="accent1"/>
+          </a:fillRef>
+          <a:effectRef idx="0">
+            <a:schemeClr val="accent1"/>
+          </a:effectRef>
+          <a:fontRef idx="minor">
+            <a:schemeClr val="tx1"/>
+          </a:fontRef>
+        </p:style>
+      </p:cxnSp>
+      <p:sp>
+        <p:nvSpPr>
+          <p:cNvPr id="46" name="TextBox 45"/>
+          <p:cNvSpPr txBox="1"/>
+          <p:nvPr/>
+        </p:nvSpPr>
+        <p:spPr>
+          <a:xfrm>
+            <a:off x="3332011" y="1667931"/>
+            <a:ext cx="711507" cy="276999"/>
+          </a:xfrm>
+          <a:prstGeom prst="rect">
+            <a:avLst/>
+          </a:prstGeom>
+          <a:noFill/>
+        </p:spPr>
+        <p:txBody>
+          <a:bodyPr wrap="square" rtlCol="0">
+            <a:spAutoFit/>
+          </a:bodyPr>
+          <a:lstStyle/>
+          <a:p>
+            <a:r>
+              <a:rPr lang="en-US" altLang="zh-TW" sz="1200" dirty="0" smtClean="0">
+                <a:solidFill>
+                  <a:srgbClr xmlns:mc="http://schemas.openxmlformats.org/markup-compatibility/2006" xmlns:a14="http://schemas.microsoft.com/office/drawing/2010/main" val="FF0000" mc:Ignorable=""/>
+                </a:solidFill>
+              </a:rPr>
+              <a:t>Case1</a:t>
+            </a:r>
+            <a:endParaRPr lang="zh-TW" altLang="en-US" sz="1200" dirty="0">
+              <a:solidFill>
+                <a:srgbClr xmlns:mc="http://schemas.openxmlformats.org/markup-compatibility/2006" xmlns:a14="http://schemas.microsoft.com/office/drawing/2010/main" val="FF0000" mc:Ignorable=""/>
+              </a:solidFill>
+            </a:endParaRPr>
+          </a:p>
+        </p:txBody>
+      </p:sp>
+      <p:sp>
+        <p:nvSpPr>
+          <p:cNvPr id="51" name="TextBox 50"/>
+          <p:cNvSpPr txBox="1"/>
+          <p:nvPr/>
+        </p:nvSpPr>
+        <p:spPr>
+          <a:xfrm>
+            <a:off x="1129800" y="2661691"/>
+            <a:ext cx="711507" cy="276999"/>
+          </a:xfrm>
+          <a:prstGeom prst="rect">
+            <a:avLst/>
+          </a:prstGeom>
+          <a:noFill/>
+        </p:spPr>
+        <p:txBody>
+          <a:bodyPr wrap="square" rtlCol="0">
+            <a:spAutoFit/>
+          </a:bodyPr>
+          <a:lstStyle/>
+          <a:p>
+            <a:r>
+              <a:rPr lang="en-US" altLang="zh-TW" sz="1200" dirty="0" smtClean="0">
+                <a:solidFill>
+                  <a:srgbClr xmlns:mc="http://schemas.openxmlformats.org/markup-compatibility/2006" xmlns:a14="http://schemas.microsoft.com/office/drawing/2010/main" val="FF0000" mc:Ignorable=""/>
+                </a:solidFill>
+              </a:rPr>
+              <a:t>Case3</a:t>
+            </a:r>
+            <a:endParaRPr lang="zh-TW" altLang="en-US" sz="1200" dirty="0">
+              <a:solidFill>
+                <a:srgbClr xmlns:mc="http://schemas.openxmlformats.org/markup-compatibility/2006" xmlns:a14="http://schemas.microsoft.com/office/drawing/2010/main" val="FF0000" mc:Ignorable=""/>
+              </a:solidFill>
+            </a:endParaRPr>
+          </a:p>
+        </p:txBody>
+      </p:sp>
+      <p:sp>
+        <p:nvSpPr>
+          <p:cNvPr id="53" name="TextBox 52"/>
+          <p:cNvSpPr txBox="1"/>
+          <p:nvPr/>
+        </p:nvSpPr>
+        <p:spPr>
+          <a:xfrm>
+            <a:off x="1650965" y="3152001"/>
+            <a:ext cx="711507" cy="276999"/>
+          </a:xfrm>
+          <a:prstGeom prst="rect">
+            <a:avLst/>
+          </a:prstGeom>
+          <a:noFill/>
+        </p:spPr>
+        <p:txBody>
+          <a:bodyPr wrap="square" rtlCol="0">
+            <a:spAutoFit/>
+          </a:bodyPr>
+          <a:lstStyle/>
+          <a:p>
+            <a:r>
+              <a:rPr lang="en-US" altLang="zh-TW" sz="1200" dirty="0" smtClean="0">
+                <a:solidFill>
+                  <a:srgbClr xmlns:mc="http://schemas.openxmlformats.org/markup-compatibility/2006" xmlns:a14="http://schemas.microsoft.com/office/drawing/2010/main" val="FF0000" mc:Ignorable=""/>
+                </a:solidFill>
+              </a:rPr>
+              <a:t>Case1</a:t>
+            </a:r>
+            <a:endParaRPr lang="zh-TW" altLang="en-US" sz="1200" dirty="0">
+              <a:solidFill>
+                <a:srgbClr xmlns:mc="http://schemas.openxmlformats.org/markup-compatibility/2006" xmlns:a14="http://schemas.microsoft.com/office/drawing/2010/main" val="FF0000" mc:Ignorable=""/>
+              </a:solidFill>
+            </a:endParaRPr>
+          </a:p>
+        </p:txBody>
+      </p:sp>
+      <p:sp>
+        <p:nvSpPr>
+          <p:cNvPr id="54" name="TextBox 53"/>
+          <p:cNvSpPr txBox="1"/>
+          <p:nvPr/>
+        </p:nvSpPr>
+        <p:spPr>
+          <a:xfrm>
+            <a:off x="2051720" y="1706583"/>
+            <a:ext cx="711507" cy="276999"/>
+          </a:xfrm>
+          <a:prstGeom prst="rect">
+            <a:avLst/>
+          </a:prstGeom>
+          <a:noFill/>
+        </p:spPr>
+        <p:txBody>
+          <a:bodyPr wrap="square" rtlCol="0">
+            <a:spAutoFit/>
+          </a:bodyPr>
+          <a:lstStyle/>
+          <a:p>
+            <a:r>
+              <a:rPr lang="en-US" altLang="zh-TW" sz="1200" dirty="0" smtClean="0">
+                <a:solidFill>
+                  <a:srgbClr xmlns:mc="http://schemas.openxmlformats.org/markup-compatibility/2006" xmlns:a14="http://schemas.microsoft.com/office/drawing/2010/main" val="FF0000" mc:Ignorable=""/>
+                </a:solidFill>
+              </a:rPr>
+              <a:t>Case2</a:t>
+            </a:r>
+            <a:endParaRPr lang="zh-TW" altLang="en-US" sz="1200" dirty="0">
+              <a:solidFill>
+                <a:srgbClr xmlns:mc="http://schemas.openxmlformats.org/markup-compatibility/2006" xmlns:a14="http://schemas.microsoft.com/office/drawing/2010/main" val="FF0000" mc:Ignorable=""/>
+              </a:solidFill>
+            </a:endParaRPr>
+          </a:p>
+        </p:txBody>
+      </p:sp>
     </p:spTree>
     <p:extLst>
       <p:ext uri="{BB962C8B-B14F-4D97-AF65-F5344CB8AC3E}">
